--- a/Shap ppt.pptx
+++ b/Shap ppt.pptx
@@ -6228,11 +6228,7 @@
           <a:p>
             <a:r>
               <a:rPr lang="en-US" dirty="0"/>
-              <a:t>SHAP values are used to explain individual model predictions. For a given prediction, they tell us how each feature has contributed to that </a:t>
-            </a:r>
-            <a:r>
-              <a:rPr lang="en-US" dirty="0"/>
-              <a:t>prediction or average marginal contribution of an instance of a feature among all possible coalitions.</a:t>
+              <a:t>SHAP values are used to explain individual model predictions. For a given prediction, they tell us how each feature has contributed to that prediction or average marginal contribution of an instance of a feature among all possible coalitions.</a:t>
             </a:r>
             <a:endParaRPr lang="en-US" dirty="0" smtClean="0"/>
           </a:p>
@@ -6312,11 +6308,7 @@
             </a:r>
             <a:r>
               <a:rPr lang="en-US" dirty="0" smtClean="0"/>
-              <a:t> values many machine learning models can be interpreted however it depends on the complexity of the model and the interaction between the features</a:t>
-            </a:r>
-            <a:r>
-              <a:rPr lang="en-US" dirty="0" smtClean="0"/>
-              <a:t>.</a:t>
+              <a:t> values many machine learning models can be interpreted however it depends on the complexity of the model and the interaction between the features.</a:t>
             </a:r>
             <a:r>
               <a:rPr lang="en-US" dirty="0"/>
@@ -8506,7 +8498,15 @@
             </a:r>
             <a:r>
               <a:rPr lang="en-US" dirty="0" smtClean="0"/>
-              <a:t>    predicting.(i.e. Positive correlation between Var7</a:t>
+              <a:t>    </a:t>
+            </a:r>
+            <a:r>
+              <a:rPr lang="en-US" dirty="0" smtClean="0"/>
+              <a:t>prediction.(</a:t>
+            </a:r>
+            <a:r>
+              <a:rPr lang="en-US" dirty="0" smtClean="0"/>
+              <a:t>i.e. Positive correlation between Var7</a:t>
             </a:r>
           </a:p>
           <a:p>
@@ -8529,7 +8529,19 @@
             </a:pPr>
             <a:r>
               <a:rPr lang="en-US" dirty="0" smtClean="0"/>
-              <a:t>Whereas the Var4 , when the actual value increases the </a:t>
+              <a:t>Whereas </a:t>
+            </a:r>
+            <a:r>
+              <a:rPr lang="en-US" dirty="0" smtClean="0"/>
+              <a:t>in</a:t>
+            </a:r>
+            <a:r>
+              <a:rPr lang="en-US" dirty="0" smtClean="0"/>
+              <a:t> </a:t>
+            </a:r>
+            <a:r>
+              <a:rPr lang="en-US" dirty="0" smtClean="0"/>
+              <a:t>Var4 , when the actual value increases the </a:t>
             </a:r>
             <a:r>
               <a:rPr lang="en-US" dirty="0" err="1" smtClean="0"/>
@@ -8537,7 +8549,23 @@
             </a:r>
             <a:r>
               <a:rPr lang="en-US" dirty="0" smtClean="0"/>
-              <a:t> value decreases, and from the we can see there is weak negative correlation between Var4 and Target.</a:t>
+              <a:t> value </a:t>
+            </a:r>
+            <a:r>
+              <a:rPr lang="en-US" dirty="0" smtClean="0"/>
+              <a:t>decreases which shows there </a:t>
+            </a:r>
+            <a:r>
+              <a:rPr lang="en-US" dirty="0" smtClean="0"/>
+              <a:t>is </a:t>
+            </a:r>
+            <a:r>
+              <a:rPr lang="en-US" dirty="0" smtClean="0"/>
+              <a:t>weak(less spread to the left) </a:t>
+            </a:r>
+            <a:r>
+              <a:rPr lang="en-US" dirty="0" smtClean="0"/>
+              <a:t>negative correlation between Var4 and Target.</a:t>
             </a:r>
           </a:p>
           <a:p>
@@ -8627,11 +8655,7 @@
             </a:r>
             <a:r>
               <a:rPr lang="en-US" dirty="0" smtClean="0"/>
-              <a:t> </a:t>
-            </a:r>
-            <a:r>
-              <a:rPr lang="en-US" dirty="0" smtClean="0"/>
-              <a:t>of </a:t>
+              <a:t> of </a:t>
             </a:r>
             <a:r>
               <a:rPr lang="en-US" dirty="0" err="1" smtClean="0"/>
@@ -9141,7 +9165,7 @@
         <p:spPr>
           <a:xfrm>
             <a:off x="626794" y="4858603"/>
-            <a:ext cx="10932860" cy="923330"/>
+            <a:ext cx="10932860" cy="1477328"/>
           </a:xfrm>
           <a:prstGeom prst="rect">
             <a:avLst/>
@@ -9162,6 +9186,16 @@
               <a:rPr lang="en-US" u="sng" dirty="0" smtClean="0"/>
               <a:t> Link:</a:t>
             </a:r>
+          </a:p>
+          <a:p>
+            <a:endParaRPr lang="en-US" u="sng" dirty="0" smtClean="0"/>
+          </a:p>
+          <a:p>
+            <a:r>
+              <a:rPr lang="en-US" u="sng" dirty="0"/>
+              <a:t>https://github.com/bb1810/SHAP-_-Interpreting-models/upload/main</a:t>
+            </a:r>
+            <a:endParaRPr lang="en-US" u="sng" dirty="0" smtClean="0"/>
           </a:p>
           <a:p>
             <a:endParaRPr lang="en-US" u="sng" dirty="0" smtClean="0"/>
